--- a/Predicting Competitive Rank in Overwatch.pptx
+++ b/Predicting Competitive Rank in Overwatch.pptx
@@ -110,6 +110,11 @@
       </a:defRPr>
     </a:lvl9pPr>
   </p:defaultTextStyle>
+  <p:extLst>
+    <p:ext uri="{EFAFB233-063F-42B5-8137-9DF3F51BA10A}">
+      <p15:sldGuideLst xmlns:p15="http://schemas.microsoft.com/office/powerpoint/2012/main"/>
+    </p:ext>
+  </p:extLst>
 </p:presentation>
 </file>
 
@@ -838,7 +843,7 @@
             <a:fld id="{B61BEF0D-F0BB-DE4B-95CE-6DB70DBA9567}" type="datetimeFigureOut">
               <a:rPr lang="en-US" dirty="0"/>
               <a:pPr/>
-              <a:t>1/16/2018</a:t>
+              <a:t>1/17/2018</a:t>
             </a:fld>
             <a:endParaRPr lang="en-US" dirty="0"/>
           </a:p>
@@ -1086,7 +1091,7 @@
             <a:fld id="{B61BEF0D-F0BB-DE4B-95CE-6DB70DBA9567}" type="datetimeFigureOut">
               <a:rPr lang="en-US" dirty="0"/>
               <a:pPr/>
-              <a:t>1/16/2018</a:t>
+              <a:t>1/17/2018</a:t>
             </a:fld>
             <a:endParaRPr lang="en-US" dirty="0"/>
           </a:p>
@@ -1397,7 +1402,7 @@
             <a:fld id="{B61BEF0D-F0BB-DE4B-95CE-6DB70DBA9567}" type="datetimeFigureOut">
               <a:rPr lang="en-US" dirty="0"/>
               <a:pPr/>
-              <a:t>1/16/2018</a:t>
+              <a:t>1/17/2018</a:t>
             </a:fld>
             <a:endParaRPr lang="en-US" dirty="0"/>
           </a:p>
@@ -1721,7 +1726,7 @@
             <a:fld id="{B61BEF0D-F0BB-DE4B-95CE-6DB70DBA9567}" type="datetimeFigureOut">
               <a:rPr lang="en-US" dirty="0"/>
               <a:pPr/>
-              <a:t>1/16/2018</a:t>
+              <a:t>1/17/2018</a:t>
             </a:fld>
             <a:endParaRPr lang="en-US" dirty="0"/>
           </a:p>
@@ -2032,7 +2037,7 @@
             <a:fld id="{B61BEF0D-F0BB-DE4B-95CE-6DB70DBA9567}" type="datetimeFigureOut">
               <a:rPr lang="en-US" dirty="0"/>
               <a:pPr/>
-              <a:t>1/16/2018</a:t>
+              <a:t>1/17/2018</a:t>
             </a:fld>
             <a:endParaRPr lang="en-US" dirty="0"/>
           </a:p>
@@ -2416,7 +2421,7 @@
             <a:fld id="{B61BEF0D-F0BB-DE4B-95CE-6DB70DBA9567}" type="datetimeFigureOut">
               <a:rPr lang="en-US" dirty="0"/>
               <a:pPr/>
-              <a:t>1/16/2018</a:t>
+              <a:t>1/17/2018</a:t>
             </a:fld>
             <a:endParaRPr lang="en-US" dirty="0"/>
           </a:p>
@@ -2582,7 +2587,7 @@
           <a:p>
             <a:fld id="{55C6B4A9-1611-4792-9094-5F34BCA07E0B}" type="datetimeFigureOut">
               <a:rPr lang="en-US" dirty="0"/>
-              <a:t>1/16/2018</a:t>
+              <a:t>1/17/2018</a:t>
             </a:fld>
             <a:endParaRPr lang="en-US" dirty="0"/>
           </a:p>
@@ -2758,7 +2763,7 @@
             <a:fld id="{B61BEF0D-F0BB-DE4B-95CE-6DB70DBA9567}" type="datetimeFigureOut">
               <a:rPr lang="en-US" dirty="0"/>
               <a:pPr/>
-              <a:t>1/16/2018</a:t>
+              <a:t>1/17/2018</a:t>
             </a:fld>
             <a:endParaRPr lang="en-US" dirty="0"/>
           </a:p>
@@ -2931,7 +2936,7 @@
             <a:fld id="{B61BEF0D-F0BB-DE4B-95CE-6DB70DBA9567}" type="datetimeFigureOut">
               <a:rPr lang="en-US" dirty="0"/>
               <a:pPr/>
-              <a:t>1/16/2018</a:t>
+              <a:t>1/17/2018</a:t>
             </a:fld>
             <a:endParaRPr lang="en-US" dirty="0"/>
           </a:p>
@@ -3175,7 +3180,7 @@
             <a:fld id="{B61BEF0D-F0BB-DE4B-95CE-6DB70DBA9567}" type="datetimeFigureOut">
               <a:rPr lang="en-US" dirty="0"/>
               <a:pPr/>
-              <a:t>1/16/2018</a:t>
+              <a:t>1/17/2018</a:t>
             </a:fld>
             <a:endParaRPr lang="en-US" dirty="0"/>
           </a:p>
@@ -3403,7 +3408,7 @@
           <a:p>
             <a:fld id="{EB712588-04B1-427B-82EE-E8DB90309F08}" type="datetimeFigureOut">
               <a:rPr lang="en-US" dirty="0"/>
-              <a:t>1/16/2018</a:t>
+              <a:t>1/17/2018</a:t>
             </a:fld>
             <a:endParaRPr lang="en-US" dirty="0"/>
           </a:p>
@@ -3773,7 +3778,7 @@
             <a:fld id="{B61BEF0D-F0BB-DE4B-95CE-6DB70DBA9567}" type="datetimeFigureOut">
               <a:rPr lang="en-US" dirty="0"/>
               <a:pPr/>
-              <a:t>1/16/2018</a:t>
+              <a:t>1/17/2018</a:t>
             </a:fld>
             <a:endParaRPr lang="en-US" dirty="0"/>
           </a:p>
@@ -3893,7 +3898,7 @@
             <a:fld id="{B61BEF0D-F0BB-DE4B-95CE-6DB70DBA9567}" type="datetimeFigureOut">
               <a:rPr lang="en-US" dirty="0"/>
               <a:pPr/>
-              <a:t>1/16/2018</a:t>
+              <a:t>1/17/2018</a:t>
             </a:fld>
             <a:endParaRPr lang="en-US" dirty="0"/>
           </a:p>
@@ -3985,7 +3990,7 @@
             <a:fld id="{B61BEF0D-F0BB-DE4B-95CE-6DB70DBA9567}" type="datetimeFigureOut">
               <a:rPr lang="en-US" dirty="0"/>
               <a:pPr/>
-              <a:t>1/16/2018</a:t>
+              <a:t>1/17/2018</a:t>
             </a:fld>
             <a:endParaRPr lang="en-US" dirty="0"/>
           </a:p>
@@ -4236,7 +4241,7 @@
           <a:p>
             <a:fld id="{42A54C80-263E-416B-A8E0-580EDEADCBDC}" type="datetimeFigureOut">
               <a:rPr lang="en-US" dirty="0"/>
-              <a:t>1/16/2018</a:t>
+              <a:t>1/17/2018</a:t>
             </a:fld>
             <a:endParaRPr lang="en-US" dirty="0"/>
           </a:p>
@@ -4495,7 +4500,7 @@
             <a:fld id="{B61BEF0D-F0BB-DE4B-95CE-6DB70DBA9567}" type="datetimeFigureOut">
               <a:rPr lang="en-US" dirty="0"/>
               <a:pPr/>
-              <a:t>1/16/2018</a:t>
+              <a:t>1/17/2018</a:t>
             </a:fld>
             <a:endParaRPr lang="en-US" dirty="0"/>
           </a:p>
@@ -5237,7 +5242,7 @@
             <a:fld id="{B61BEF0D-F0BB-DE4B-95CE-6DB70DBA9567}" type="datetimeFigureOut">
               <a:rPr lang="en-US" dirty="0"/>
               <a:pPr/>
-              <a:t>1/16/2018</a:t>
+              <a:t>1/17/2018</a:t>
             </a:fld>
             <a:endParaRPr lang="en-US" dirty="0"/>
           </a:p>
@@ -5916,12 +5921,12 @@
               <a:t> is a first person shooter created by </a:t>
             </a:r>
             <a:r>
-              <a:rPr lang="en-US" sz="1900" dirty="0" err="1" smtClean="0"/>
-              <a:t>Blizzar</a:t>
-            </a:r>
-            <a:r>
               <a:rPr lang="en-US" sz="1900" dirty="0" smtClean="0"/>
-              <a:t>, comprised of 26 characters across four group classification; DPS, Tank, Defense, and Support</a:t>
+              <a:t>Blizzard, </a:t>
+            </a:r>
+            <a:r>
+              <a:rPr lang="en-US" sz="1900" dirty="0" smtClean="0"/>
+              <a:t>comprised of 26 characters across four group classification; DPS, Tank, Defense, and Support</a:t>
             </a:r>
           </a:p>
           <a:p>
@@ -6189,7 +6194,15 @@
           <a:p>
             <a:r>
               <a:rPr lang="en-US" sz="2000" dirty="0" smtClean="0"/>
-              <a:t>Obtaining data that include player IDs, ranking, and time played on each character is not readily available from Blizzard publically.</a:t>
+              <a:t>Obtaining data that </a:t>
+            </a:r>
+            <a:r>
+              <a:rPr lang="en-US" sz="2000" dirty="0" smtClean="0"/>
+              <a:t>includes </a:t>
+            </a:r>
+            <a:r>
+              <a:rPr lang="en-US" sz="2000" dirty="0" smtClean="0"/>
+              <a:t>player IDs, ranking, and time played on each character is not readily available from Blizzard publically.</a:t>
             </a:r>
           </a:p>
           <a:p>
@@ -6395,7 +6408,15 @@
             <a:pPr lvl="2"/>
             <a:r>
               <a:rPr lang="en-US" sz="1600" dirty="0"/>
-              <a:t>Each character has 3 columns with the totals: </a:t>
+              <a:t>Each character has 3 columns with the </a:t>
+            </a:r>
+            <a:r>
+              <a:rPr lang="en-US" sz="1600" dirty="0" smtClean="0"/>
+              <a:t>stats totals</a:t>
+            </a:r>
+            <a:r>
+              <a:rPr lang="en-US" sz="1600" dirty="0"/>
+              <a:t>: </a:t>
             </a:r>
             <a:r>
               <a:rPr lang="en-US" sz="1600" dirty="0" err="1"/>

--- a/Predicting Competitive Rank in Overwatch.pptx
+++ b/Predicting Competitive Rank in Overwatch.pptx
@@ -5918,15 +5918,7 @@
             </a:r>
             <a:r>
               <a:rPr lang="en-US" sz="1900" dirty="0" smtClean="0"/>
-              <a:t> is a first person shooter created by </a:t>
-            </a:r>
-            <a:r>
-              <a:rPr lang="en-US" sz="1900" dirty="0" smtClean="0"/>
-              <a:t>Blizzard, </a:t>
-            </a:r>
-            <a:r>
-              <a:rPr lang="en-US" sz="1900" dirty="0" smtClean="0"/>
-              <a:t>comprised of 26 characters across four group classification; DPS, Tank, Defense, and Support</a:t>
+              <a:t> is a first person shooter created by Blizzard, comprised of 26 characters across four group classification; DPS, Tank, Defense, and Support</a:t>
             </a:r>
           </a:p>
           <a:p>
@@ -6083,19 +6075,49 @@
             </a:r>
             <a:r>
               <a:rPr lang="en-US" sz="2000" dirty="0" smtClean="0"/>
-              <a:t> competitive matches have a Skill Rating (SR) metric that places you in a rank, ranging from Bronze to Grand Master, determined by your performance in a competitive match (Win/Loss/Draw)</a:t>
-            </a:r>
-          </a:p>
-          <a:p>
+              <a:t> competitive matches have a Skill Rating (SR) metric that places you in a rank, </a:t>
+            </a:r>
             <a:r>
               <a:rPr lang="en-US" sz="2000" dirty="0" smtClean="0"/>
-              <a:t>OBSERVATIONS: good teamwork, a balanced team composition and skilled play of your character can increases your chances of winning a match.</a:t>
-            </a:r>
-          </a:p>
-          <a:p>
+              <a:t>determined </a:t>
+            </a:r>
             <a:r>
               <a:rPr lang="en-US" sz="2000" dirty="0" smtClean="0"/>
-              <a:t>HYPOTHESIS: having the ability to play 2-3 characters (assuming well) can help create a stronger team composition, thus leading to more wins and higher SR.</a:t>
+              <a:t>by your </a:t>
+            </a:r>
+            <a:r>
+              <a:rPr lang="en-US" sz="2000" dirty="0" smtClean="0"/>
+              <a:t>performance</a:t>
+            </a:r>
+          </a:p>
+          <a:p>
+            <a:endParaRPr lang="en-US" sz="2000" dirty="0" smtClean="0"/>
+          </a:p>
+          <a:p>
+            <a:r>
+              <a:rPr lang="en-US" sz="2000" dirty="0" smtClean="0"/>
+              <a:t>OBSERVATIONS: good teamwork, a balanced team composition and skilled play of your </a:t>
+            </a:r>
+            <a:r>
+              <a:rPr lang="en-US" sz="2000" dirty="0" smtClean="0"/>
+              <a:t>character</a:t>
+            </a:r>
+          </a:p>
+          <a:p>
+            <a:endParaRPr lang="en-US" sz="2000" dirty="0" smtClean="0"/>
+          </a:p>
+          <a:p>
+            <a:r>
+              <a:rPr lang="en-US" sz="2000" dirty="0" smtClean="0"/>
+              <a:t>HYPOTHESIS: having the ability to play 2-3 characters </a:t>
+            </a:r>
+            <a:r>
+              <a:rPr lang="en-US" sz="2000" dirty="0" smtClean="0"/>
+              <a:t>can </a:t>
+            </a:r>
+            <a:r>
+              <a:rPr lang="en-US" sz="2000" dirty="0" smtClean="0"/>
+              <a:t>help create a stronger team composition, thus leading to more wins and higher SR.</a:t>
             </a:r>
           </a:p>
           <a:p>
@@ -6164,7 +6186,11 @@
           <a:p>
             <a:r>
               <a:rPr lang="en-US" dirty="0" smtClean="0"/>
-              <a:t>Where is the data from anyways?</a:t>
+              <a:t>Where is the data </a:t>
+            </a:r>
+            <a:r>
+              <a:rPr lang="en-US" dirty="0" smtClean="0"/>
+              <a:t>from?</a:t>
             </a:r>
             <a:endParaRPr lang="en-US" dirty="0"/>
           </a:p>
@@ -6194,15 +6220,7 @@
           <a:p>
             <a:r>
               <a:rPr lang="en-US" sz="2000" dirty="0" smtClean="0"/>
-              <a:t>Obtaining data that </a:t>
-            </a:r>
-            <a:r>
-              <a:rPr lang="en-US" sz="2000" dirty="0" smtClean="0"/>
-              <a:t>includes </a:t>
-            </a:r>
-            <a:r>
-              <a:rPr lang="en-US" sz="2000" dirty="0" smtClean="0"/>
-              <a:t>player IDs, ranking, and time played on each character is not readily available from Blizzard publically.</a:t>
+              <a:t>Obtaining data that includes player IDs, ranking, and time played on each character is not readily available from Blizzard publically.</a:t>
             </a:r>
           </a:p>
           <a:p>
@@ -6243,8 +6261,17 @@
             <a:pPr lvl="1"/>
             <a:r>
               <a:rPr lang="en-US" sz="1800" dirty="0"/>
-              <a:t>Data columns (total 80 columns)</a:t>
-            </a:r>
+              <a:t>Data columns (total 80 columns</a:t>
+            </a:r>
+            <a:r>
+              <a:rPr lang="en-US" sz="1800" dirty="0" smtClean="0"/>
+              <a:t>)</a:t>
+            </a:r>
+          </a:p>
+          <a:p>
+            <a:pPr marL="457200" lvl="1" indent="0">
+              <a:buNone/>
+            </a:pPr>
             <a:endParaRPr lang="en-US" sz="1800" dirty="0" smtClean="0"/>
           </a:p>
           <a:p>
@@ -6358,17 +6385,18 @@
             </a:r>
           </a:p>
           <a:p>
-            <a:pPr lvl="2"/>
-            <a:r>
-              <a:rPr lang="en-US" sz="1600" dirty="0" smtClean="0"/>
-              <a:t>PROBLEM: the information is numeric, which poses issues for summing along axis = 1</a:t>
-            </a:r>
-          </a:p>
-          <a:p>
             <a:pPr lvl="1"/>
+            <a:endParaRPr lang="en-US" sz="2000" dirty="0" smtClean="0"/>
+          </a:p>
+          <a:p>
+            <a:pPr lvl="1"/>
             <a:r>
               <a:rPr lang="en-US" sz="2000" dirty="0" smtClean="0"/>
-              <a:t>Rank (1 column):</a:t>
+              <a:t>Rank </a:t>
+            </a:r>
+            <a:r>
+              <a:rPr lang="en-US" sz="2000" dirty="0" smtClean="0"/>
+              <a:t>(1 column):</a:t>
             </a:r>
           </a:p>
           <a:p>
@@ -6382,7 +6410,11 @@
             <a:pPr lvl="2"/>
             <a:r>
               <a:rPr lang="en-US" sz="1600" dirty="0" smtClean="0"/>
-              <a:t>PROBLEM: the data is numeric, causing issues when summing along axis =1, doesn’t show the rank (Bronze, Silver, Gold, </a:t>
+              <a:t>PROBLEM: doesn’t </a:t>
+            </a:r>
+            <a:r>
+              <a:rPr lang="en-US" sz="1600" dirty="0" smtClean="0"/>
+              <a:t>show the rank (Bronze, Silver, Gold, </a:t>
             </a:r>
             <a:r>
               <a:rPr lang="en-US" sz="1600" dirty="0" err="1" smtClean="0"/>
@@ -6536,7 +6568,7 @@
         <p:spPr>
           <a:xfrm>
             <a:off x="677334" y="1777043"/>
-            <a:ext cx="8596668" cy="5003320"/>
+            <a:ext cx="8596668" cy="4779032"/>
           </a:xfrm>
         </p:spPr>
         <p:txBody>
@@ -6620,8 +6652,13 @@
             </a:r>
             <a:r>
               <a:rPr lang="en-US" sz="1600" dirty="0" smtClean="0"/>
-              <a:t>, (Rank)</a:t>
-            </a:r>
+              <a:t>, (Rank</a:t>
+            </a:r>
+            <a:r>
+              <a:rPr lang="en-US" sz="1600" dirty="0" smtClean="0"/>
+              <a:t>)</a:t>
+            </a:r>
+            <a:endParaRPr lang="en-US" sz="1600" dirty="0" smtClean="0"/>
           </a:p>
         </p:txBody>
       </p:sp>
